--- a/report/figures/key&rules.pptx
+++ b/report/figures/key&rules.pptx
@@ -107,6 +107,11 @@
       </a:defRPr>
     </a:lvl9pPr>
   </p:defaultTextStyle>
+  <p:extLst>
+    <p:ext uri="{EFAFB233-063F-42B5-8137-9DF3F51BA10A}">
+      <p15:sldGuideLst xmlns:p15="http://schemas.microsoft.com/office/powerpoint/2012/main"/>
+    </p:ext>
+  </p:extLst>
 </p:presentation>
 </file>
 
@@ -192,7 +197,7 @@
           <a:p>
             <a:fld id="{169C2E05-8F12-FD4F-867C-686D5D4BC772}" type="datetimeFigureOut">
               <a:rPr lang="en-GB" smtClean="0"/>
-              <a:t>08/06/2017</a:t>
+              <a:t>16/06/2017</a:t>
             </a:fld>
             <a:endParaRPr lang="en-GB"/>
           </a:p>
@@ -591,7 +596,7 @@
           <a:p>
             <a:fld id="{3C786097-5E83-EB49-A4B8-00F9FA0A3FE3}" type="datetimeFigureOut">
               <a:rPr lang="en-GB" smtClean="0"/>
-              <a:t>08/06/2017</a:t>
+              <a:t>16/06/2017</a:t>
             </a:fld>
             <a:endParaRPr lang="en-GB"/>
           </a:p>
@@ -761,7 +766,7 @@
           <a:p>
             <a:fld id="{3C786097-5E83-EB49-A4B8-00F9FA0A3FE3}" type="datetimeFigureOut">
               <a:rPr lang="en-GB" smtClean="0"/>
-              <a:t>08/06/2017</a:t>
+              <a:t>16/06/2017</a:t>
             </a:fld>
             <a:endParaRPr lang="en-GB"/>
           </a:p>
@@ -941,7 +946,7 @@
           <a:p>
             <a:fld id="{3C786097-5E83-EB49-A4B8-00F9FA0A3FE3}" type="datetimeFigureOut">
               <a:rPr lang="en-GB" smtClean="0"/>
-              <a:t>08/06/2017</a:t>
+              <a:t>16/06/2017</a:t>
             </a:fld>
             <a:endParaRPr lang="en-GB"/>
           </a:p>
@@ -1111,7 +1116,7 @@
           <a:p>
             <a:fld id="{3C786097-5E83-EB49-A4B8-00F9FA0A3FE3}" type="datetimeFigureOut">
               <a:rPr lang="en-GB" smtClean="0"/>
-              <a:t>08/06/2017</a:t>
+              <a:t>16/06/2017</a:t>
             </a:fld>
             <a:endParaRPr lang="en-GB"/>
           </a:p>
@@ -1357,7 +1362,7 @@
           <a:p>
             <a:fld id="{3C786097-5E83-EB49-A4B8-00F9FA0A3FE3}" type="datetimeFigureOut">
               <a:rPr lang="en-GB" smtClean="0"/>
-              <a:t>08/06/2017</a:t>
+              <a:t>16/06/2017</a:t>
             </a:fld>
             <a:endParaRPr lang="en-GB"/>
           </a:p>
@@ -1589,7 +1594,7 @@
           <a:p>
             <a:fld id="{3C786097-5E83-EB49-A4B8-00F9FA0A3FE3}" type="datetimeFigureOut">
               <a:rPr lang="en-GB" smtClean="0"/>
-              <a:t>08/06/2017</a:t>
+              <a:t>16/06/2017</a:t>
             </a:fld>
             <a:endParaRPr lang="en-GB"/>
           </a:p>
@@ -1956,7 +1961,7 @@
           <a:p>
             <a:fld id="{3C786097-5E83-EB49-A4B8-00F9FA0A3FE3}" type="datetimeFigureOut">
               <a:rPr lang="en-GB" smtClean="0"/>
-              <a:t>08/06/2017</a:t>
+              <a:t>16/06/2017</a:t>
             </a:fld>
             <a:endParaRPr lang="en-GB"/>
           </a:p>
@@ -2074,7 +2079,7 @@
           <a:p>
             <a:fld id="{3C786097-5E83-EB49-A4B8-00F9FA0A3FE3}" type="datetimeFigureOut">
               <a:rPr lang="en-GB" smtClean="0"/>
-              <a:t>08/06/2017</a:t>
+              <a:t>16/06/2017</a:t>
             </a:fld>
             <a:endParaRPr lang="en-GB"/>
           </a:p>
@@ -2169,7 +2174,7 @@
           <a:p>
             <a:fld id="{3C786097-5E83-EB49-A4B8-00F9FA0A3FE3}" type="datetimeFigureOut">
               <a:rPr lang="en-GB" smtClean="0"/>
-              <a:t>08/06/2017</a:t>
+              <a:t>16/06/2017</a:t>
             </a:fld>
             <a:endParaRPr lang="en-GB"/>
           </a:p>
@@ -2446,7 +2451,7 @@
           <a:p>
             <a:fld id="{3C786097-5E83-EB49-A4B8-00F9FA0A3FE3}" type="datetimeFigureOut">
               <a:rPr lang="en-GB" smtClean="0"/>
-              <a:t>08/06/2017</a:t>
+              <a:t>16/06/2017</a:t>
             </a:fld>
             <a:endParaRPr lang="en-GB"/>
           </a:p>
@@ -2699,7 +2704,7 @@
           <a:p>
             <a:fld id="{3C786097-5E83-EB49-A4B8-00F9FA0A3FE3}" type="datetimeFigureOut">
               <a:rPr lang="en-GB" smtClean="0"/>
-              <a:t>08/06/2017</a:t>
+              <a:t>16/06/2017</a:t>
             </a:fld>
             <a:endParaRPr lang="en-GB"/>
           </a:p>
@@ -2912,7 +2917,7 @@
           <a:p>
             <a:fld id="{3C786097-5E83-EB49-A4B8-00F9FA0A3FE3}" type="datetimeFigureOut">
               <a:rPr lang="en-GB" smtClean="0"/>
-              <a:t>08/06/2017</a:t>
+              <a:t>16/06/2017</a:t>
             </a:fld>
             <a:endParaRPr lang="en-GB"/>
           </a:p>
@@ -3319,7 +3324,7 @@
       </p:grpSpPr>
       <p:sp>
         <p:nvSpPr>
-          <p:cNvPr id="10" name="Rectangle 9"/>
+          <p:cNvPr id="21" name="Rectangle 20"/>
           <p:cNvSpPr>
             <a:spLocks noGrp="1" noRot="1" noChangeAspect="1" noMove="1" noResize="1" noEditPoints="1" noAdjustHandles="1" noChangeArrowheads="1" noChangeShapeType="1" noTextEdit="1"/>
           </p:cNvSpPr>
@@ -3348,124 +3353,9 @@
           <a:effectLst/>
         </p:spPr>
       </p:sp>
-      <p:sp>
-        <p:nvSpPr>
-          <p:cNvPr id="12" name="Rectangle 11"/>
-          <p:cNvSpPr>
-            <a:spLocks noGrp="1" noRot="1" noChangeAspect="1" noMove="1" noResize="1" noEditPoints="1" noAdjustHandles="1" noChangeArrowheads="1" noChangeShapeType="1" noTextEdit="1"/>
-          </p:cNvSpPr>
-          <p:nvPr>
-            <p:extLst>
-              <p:ext uri="{386F3935-93C4-4BCD-93E2-E3B085C9AB24}">
-                <p16:designElem xmlns:p16="http://schemas.microsoft.com/office/powerpoint/2015/main" val="1"/>
-              </p:ext>
-            </p:extLst>
-          </p:nvPr>
-        </p:nvSpPr>
-        <p:spPr>
-          <a:xfrm>
-            <a:off x="0" y="0"/>
-            <a:ext cx="12192000" cy="6858000"/>
-          </a:xfrm>
-          <a:prstGeom prst="rect">
-            <a:avLst/>
-          </a:prstGeom>
-          <a:solidFill>
-            <a:schemeClr val="bg2"/>
-          </a:solidFill>
-          <a:ln>
-            <a:noFill/>
-          </a:ln>
-        </p:spPr>
-        <p:style>
-          <a:lnRef idx="2">
-            <a:schemeClr val="accent1">
-              <a:shade val="50000"/>
-            </a:schemeClr>
-          </a:lnRef>
-          <a:fillRef idx="1">
-            <a:schemeClr val="accent1"/>
-          </a:fillRef>
-          <a:effectRef idx="0">
-            <a:schemeClr val="accent1"/>
-          </a:effectRef>
-          <a:fontRef idx="minor">
-            <a:schemeClr val="lt1"/>
-          </a:fontRef>
-        </p:style>
-        <p:txBody>
-          <a:bodyPr rtlCol="0" anchor="ctr"/>
-          <a:lstStyle/>
-          <a:p>
-            <a:pPr algn="ctr"/>
-            <a:endParaRPr lang="en-US"/>
-          </a:p>
-        </p:txBody>
-      </p:sp>
-      <p:sp>
-        <p:nvSpPr>
-          <p:cNvPr id="14" name="Rectangle 13"/>
-          <p:cNvSpPr>
-            <a:spLocks noGrp="1" noRot="1" noChangeAspect="1" noMove="1" noResize="1" noEditPoints="1" noAdjustHandles="1" noChangeArrowheads="1" noChangeShapeType="1" noTextEdit="1"/>
-          </p:cNvSpPr>
-          <p:nvPr>
-            <p:extLst>
-              <p:ext uri="{386F3935-93C4-4BCD-93E2-E3B085C9AB24}">
-                <p16:designElem xmlns:p16="http://schemas.microsoft.com/office/powerpoint/2015/main" val="1"/>
-              </p:ext>
-            </p:extLst>
-          </p:nvPr>
-        </p:nvSpPr>
-        <p:spPr>
-          <a:xfrm>
-            <a:off x="477012" y="480060"/>
-            <a:ext cx="11237976" cy="5897880"/>
-          </a:xfrm>
-          <a:prstGeom prst="rect">
-            <a:avLst/>
-          </a:prstGeom>
-          <a:solidFill>
-            <a:srgbClr val="FFFFFF"/>
-          </a:solidFill>
-          <a:ln w="9525">
-            <a:noFill/>
-          </a:ln>
-          <a:effectLst>
-            <a:outerShdw blurRad="63500" dist="17780" dir="5400000" algn="t" rotWithShape="0">
-              <a:prstClr val="black">
-                <a:alpha val="43000"/>
-              </a:prstClr>
-            </a:outerShdw>
-          </a:effectLst>
-        </p:spPr>
-        <p:style>
-          <a:lnRef idx="2">
-            <a:schemeClr val="accent1">
-              <a:shade val="50000"/>
-            </a:schemeClr>
-          </a:lnRef>
-          <a:fillRef idx="1">
-            <a:schemeClr val="accent1"/>
-          </a:fillRef>
-          <a:effectRef idx="0">
-            <a:schemeClr val="accent1"/>
-          </a:effectRef>
-          <a:fontRef idx="minor">
-            <a:schemeClr val="lt1"/>
-          </a:fontRef>
-        </p:style>
-        <p:txBody>
-          <a:bodyPr rtlCol="0" anchor="ctr"/>
-          <a:lstStyle/>
-          <a:p>
-            <a:pPr algn="ctr"/>
-            <a:endParaRPr lang="en-US"/>
-          </a:p>
-        </p:txBody>
-      </p:sp>
       <p:pic>
         <p:nvPicPr>
-          <p:cNvPr id="4" name="Picture 3"/>
+          <p:cNvPr id="3" name="Picture 2"/>
           <p:cNvPicPr>
             <a:picLocks noChangeAspect="1"/>
           </p:cNvPicPr>
@@ -3485,8 +3375,8 @@
         </p:blipFill>
         <p:spPr>
           <a:xfrm>
-            <a:off x="8128189" y="643467"/>
-            <a:ext cx="1545970" cy="5571066"/>
+            <a:off x="6343240" y="1123527"/>
+            <a:ext cx="1323880" cy="4604800"/>
           </a:xfrm>
           <a:prstGeom prst="rect">
             <a:avLst/>
@@ -3495,7 +3385,7 @@
       </p:pic>
       <p:pic>
         <p:nvPicPr>
-          <p:cNvPr id="5" name="Picture 4"/>
+          <p:cNvPr id="2" name="Picture 1"/>
           <p:cNvPicPr>
             <a:picLocks noChangeAspect="1"/>
           </p:cNvPicPr>
@@ -3515,8 +3405,8 @@
         </p:blipFill>
         <p:spPr>
           <a:xfrm>
-            <a:off x="1486360" y="643466"/>
-            <a:ext cx="3608929" cy="5571066"/>
+            <a:off x="2932193" y="1123527"/>
+            <a:ext cx="2926414" cy="4604800"/>
           </a:xfrm>
           <a:prstGeom prst="rect">
             <a:avLst/>
@@ -3525,7 +3415,7 @@
       </p:pic>
       <p:cxnSp>
         <p:nvCxnSpPr>
-          <p:cNvPr id="16" name="Straight Connector 15"/>
+          <p:cNvPr id="23" name="Straight Connector 22"/>
           <p:cNvCxnSpPr>
             <a:cxnSpLocks noGrp="1" noRot="1" noChangeAspect="1" noMove="1" noResize="1" noEditPoints="1" noAdjustHandles="1" noChangeArrowheads="1" noChangeShapeType="1"/>
           </p:cNvCxnSpPr>
@@ -3539,13 +3429,13 @@
         </p:nvCxnSpPr>
         <p:spPr>
           <a:xfrm>
-            <a:off x="6079958" y="1143000"/>
-            <a:ext cx="0" cy="4572000"/>
+            <a:off x="6096000" y="1573887"/>
+            <a:ext cx="0" cy="3710227"/>
           </a:xfrm>
           <a:prstGeom prst="line">
             <a:avLst/>
           </a:prstGeom>
-          <a:ln>
+          <a:ln w="19050">
             <a:solidFill>
               <a:srgbClr val="4E4E4E"/>
             </a:solidFill>
@@ -3569,7 +3459,7 @@
     </p:spTree>
     <p:extLst>
       <p:ext uri="{BB962C8B-B14F-4D97-AF65-F5344CB8AC3E}">
-        <p14:creationId xmlns:p14="http://schemas.microsoft.com/office/powerpoint/2010/main" val="3478424475"/>
+        <p14:creationId xmlns:p14="http://schemas.microsoft.com/office/powerpoint/2010/main" val="3291243106"/>
       </p:ext>
     </p:extLst>
   </p:cSld>
